--- a/Documentation/Images.pptx
+++ b/Documentation/Images.pptx
@@ -6,6 +6,7 @@
   </p:sldMasterIdLst>
   <p:sldIdLst>
     <p:sldId id="256" r:id="rId2"/>
+    <p:sldId id="257" r:id="rId3"/>
   </p:sldIdLst>
   <p:sldSz cx="12192000" cy="6858000"/>
   <p:notesSz cx="6858000" cy="9144000"/>
@@ -3715,6 +3716,279 @@
     <p:extLst>
       <p:ext uri="{BB962C8B-B14F-4D97-AF65-F5344CB8AC3E}">
         <p14:creationId xmlns:p14="http://schemas.microsoft.com/office/powerpoint/2010/main" val="1811565478"/>
+      </p:ext>
+    </p:extLst>
+  </p:cSld>
+  <p:clrMapOvr>
+    <a:masterClrMapping/>
+  </p:clrMapOvr>
+</p:sld>
+</file>
+
+<file path=ppt/slides/slide2.xml><?xml version="1.0" encoding="utf-8"?>
+<p:sld xmlns:a="http://schemas.openxmlformats.org/drawingml/2006/main" xmlns:r="http://schemas.openxmlformats.org/officeDocument/2006/relationships" xmlns:p="http://schemas.openxmlformats.org/presentationml/2006/main">
+  <p:cSld>
+    <p:spTree>
+      <p:nvGrpSpPr>
+        <p:cNvPr id="1" name=""/>
+        <p:cNvGrpSpPr/>
+        <p:nvPr/>
+      </p:nvGrpSpPr>
+      <p:grpSpPr>
+        <a:xfrm>
+          <a:off x="0" y="0"/>
+          <a:ext cx="0" cy="0"/>
+          <a:chOff x="0" y="0"/>
+          <a:chExt cx="0" cy="0"/>
+        </a:xfrm>
+      </p:grpSpPr>
+      <p:sp>
+        <p:nvSpPr>
+          <p:cNvPr id="4" name="Oval 3">
+            <a:extLst>
+              <a:ext uri="{FF2B5EF4-FFF2-40B4-BE49-F238E27FC236}">
+                <a16:creationId xmlns:a16="http://schemas.microsoft.com/office/drawing/2014/main" id="{2EF31C90-BBDF-3E60-1EED-DDB02752CF0B}"/>
+              </a:ext>
+            </a:extLst>
+          </p:cNvPr>
+          <p:cNvSpPr/>
+          <p:nvPr/>
+        </p:nvSpPr>
+        <p:spPr>
+          <a:xfrm>
+            <a:off x="0" y="0"/>
+            <a:ext cx="6858000" cy="6858000"/>
+          </a:xfrm>
+          <a:prstGeom prst="ellipse">
+            <a:avLst/>
+          </a:prstGeom>
+          <a:solidFill>
+            <a:schemeClr val="tx2">
+              <a:lumMod val="75000"/>
+              <a:lumOff val="25000"/>
+            </a:schemeClr>
+          </a:solidFill>
+          <a:ln>
+            <a:noFill/>
+          </a:ln>
+        </p:spPr>
+        <p:style>
+          <a:lnRef idx="2">
+            <a:schemeClr val="accent1">
+              <a:shade val="15000"/>
+            </a:schemeClr>
+          </a:lnRef>
+          <a:fillRef idx="1">
+            <a:schemeClr val="accent1"/>
+          </a:fillRef>
+          <a:effectRef idx="0">
+            <a:schemeClr val="accent1"/>
+          </a:effectRef>
+          <a:fontRef idx="minor">
+            <a:schemeClr val="lt1"/>
+          </a:fontRef>
+        </p:style>
+        <p:txBody>
+          <a:bodyPr rtlCol="0" anchor="ctr"/>
+          <a:lstStyle/>
+          <a:p>
+            <a:pPr algn="ctr"/>
+            <a:endParaRPr lang="en-IN"/>
+          </a:p>
+        </p:txBody>
+      </p:sp>
+      <p:sp>
+        <p:nvSpPr>
+          <p:cNvPr id="5" name="Oval 4">
+            <a:extLst>
+              <a:ext uri="{FF2B5EF4-FFF2-40B4-BE49-F238E27FC236}">
+                <a16:creationId xmlns:a16="http://schemas.microsoft.com/office/drawing/2014/main" id="{FE71CD05-7AEC-6540-84B9-06EE949C7783}"/>
+              </a:ext>
+            </a:extLst>
+          </p:cNvPr>
+          <p:cNvSpPr/>
+          <p:nvPr/>
+        </p:nvSpPr>
+        <p:spPr>
+          <a:xfrm>
+            <a:off x="817452" y="817452"/>
+            <a:ext cx="5223095" cy="5223095"/>
+          </a:xfrm>
+          <a:prstGeom prst="ellipse">
+            <a:avLst/>
+          </a:prstGeom>
+          <a:solidFill>
+            <a:schemeClr val="bg1"/>
+          </a:solidFill>
+          <a:ln>
+            <a:noFill/>
+          </a:ln>
+        </p:spPr>
+        <p:style>
+          <a:lnRef idx="2">
+            <a:schemeClr val="accent1">
+              <a:shade val="15000"/>
+            </a:schemeClr>
+          </a:lnRef>
+          <a:fillRef idx="1">
+            <a:schemeClr val="accent1"/>
+          </a:fillRef>
+          <a:effectRef idx="0">
+            <a:schemeClr val="accent1"/>
+          </a:effectRef>
+          <a:fontRef idx="minor">
+            <a:schemeClr val="lt1"/>
+          </a:fontRef>
+        </p:style>
+        <p:txBody>
+          <a:bodyPr rtlCol="0" anchor="ctr"/>
+          <a:lstStyle/>
+          <a:p>
+            <a:pPr algn="ctr"/>
+            <a:endParaRPr lang="en-IN"/>
+          </a:p>
+        </p:txBody>
+      </p:sp>
+      <p:sp>
+        <p:nvSpPr>
+          <p:cNvPr id="6" name="Rectangle 5">
+            <a:extLst>
+              <a:ext uri="{FF2B5EF4-FFF2-40B4-BE49-F238E27FC236}">
+                <a16:creationId xmlns:a16="http://schemas.microsoft.com/office/drawing/2014/main" id="{61D1C753-A460-6E95-6F3D-5594114CC64A}"/>
+              </a:ext>
+            </a:extLst>
+          </p:cNvPr>
+          <p:cNvSpPr/>
+          <p:nvPr/>
+        </p:nvSpPr>
+        <p:spPr>
+          <a:xfrm>
+            <a:off x="1016159" y="1174535"/>
+            <a:ext cx="2412840" cy="4508927"/>
+          </a:xfrm>
+          <a:prstGeom prst="rect">
+            <a:avLst/>
+          </a:prstGeom>
+          <a:noFill/>
+        </p:spPr>
+        <p:txBody>
+          <a:bodyPr wrap="none" lIns="91440" tIns="45720" rIns="91440" bIns="45720">
+            <a:spAutoFit/>
+          </a:bodyPr>
+          <a:lstStyle/>
+          <a:p>
+            <a:pPr algn="ctr"/>
+            <a:r>
+              <a:rPr lang="en-US" sz="28700" b="1" cap="none" spc="0" dirty="0">
+                <a:ln w="9525">
+                  <a:solidFill>
+                    <a:schemeClr val="bg1"/>
+                  </a:solidFill>
+                  <a:prstDash val="solid"/>
+                </a:ln>
+                <a:solidFill>
+                  <a:schemeClr val="tx1"/>
+                </a:solidFill>
+                <a:effectLst>
+                  <a:outerShdw blurRad="12700" dist="38100" dir="2700000" algn="tl" rotWithShape="0">
+                    <a:schemeClr val="bg1">
+                      <a:lumMod val="50000"/>
+                    </a:schemeClr>
+                  </a:outerShdw>
+                </a:effectLst>
+              </a:rPr>
+              <a:t>P</a:t>
+            </a:r>
+            <a:endParaRPr lang="en-US" sz="49600" b="1" cap="none" spc="0" dirty="0">
+              <a:ln w="9525">
+                <a:solidFill>
+                  <a:schemeClr val="bg1"/>
+                </a:solidFill>
+                <a:prstDash val="solid"/>
+              </a:ln>
+              <a:solidFill>
+                <a:schemeClr val="tx1"/>
+              </a:solidFill>
+              <a:effectLst>
+                <a:outerShdw blurRad="12700" dist="38100" dir="2700000" algn="tl" rotWithShape="0">
+                  <a:schemeClr val="bg1">
+                    <a:lumMod val="50000"/>
+                  </a:schemeClr>
+                </a:outerShdw>
+              </a:effectLst>
+            </a:endParaRPr>
+          </a:p>
+        </p:txBody>
+      </p:sp>
+      <p:sp>
+        <p:nvSpPr>
+          <p:cNvPr id="7" name="Rectangle 6">
+            <a:extLst>
+              <a:ext uri="{FF2B5EF4-FFF2-40B4-BE49-F238E27FC236}">
+                <a16:creationId xmlns:a16="http://schemas.microsoft.com/office/drawing/2014/main" id="{AA1E5585-72BF-A1C8-B513-6B58F61BAED9}"/>
+              </a:ext>
+            </a:extLst>
+          </p:cNvPr>
+          <p:cNvSpPr/>
+          <p:nvPr/>
+        </p:nvSpPr>
+        <p:spPr>
+          <a:xfrm>
+            <a:off x="3071762" y="1219800"/>
+            <a:ext cx="2385589" cy="4508927"/>
+          </a:xfrm>
+          <a:prstGeom prst="rect">
+            <a:avLst/>
+          </a:prstGeom>
+          <a:noFill/>
+        </p:spPr>
+        <p:txBody>
+          <a:bodyPr wrap="none" lIns="91440" tIns="45720" rIns="91440" bIns="45720">
+            <a:spAutoFit/>
+          </a:bodyPr>
+          <a:lstStyle/>
+          <a:p>
+            <a:pPr algn="ctr"/>
+            <a:r>
+              <a:rPr lang="en-US" sz="28700" b="1" dirty="0">
+                <a:ln w="9525">
+                  <a:solidFill>
+                    <a:schemeClr val="bg1"/>
+                  </a:solidFill>
+                  <a:prstDash val="solid"/>
+                </a:ln>
+                <a:effectLst>
+                  <a:outerShdw blurRad="12700" dist="38100" dir="2700000" algn="tl" rotWithShape="0">
+                    <a:schemeClr val="bg1">
+                      <a:lumMod val="50000"/>
+                    </a:schemeClr>
+                  </a:outerShdw>
+                </a:effectLst>
+              </a:rPr>
+              <a:t>S</a:t>
+            </a:r>
+            <a:endParaRPr lang="en-US" sz="49600" b="1" dirty="0">
+              <a:ln w="9525">
+                <a:solidFill>
+                  <a:schemeClr val="bg1"/>
+                </a:solidFill>
+                <a:prstDash val="solid"/>
+              </a:ln>
+              <a:effectLst>
+                <a:outerShdw blurRad="12700" dist="38100" dir="2700000" algn="tl" rotWithShape="0">
+                  <a:schemeClr val="bg1">
+                    <a:lumMod val="50000"/>
+                  </a:schemeClr>
+                </a:outerShdw>
+              </a:effectLst>
+            </a:endParaRPr>
+          </a:p>
+        </p:txBody>
+      </p:sp>
+    </p:spTree>
+    <p:extLst>
+      <p:ext uri="{BB962C8B-B14F-4D97-AF65-F5344CB8AC3E}">
+        <p14:creationId xmlns:p14="http://schemas.microsoft.com/office/powerpoint/2010/main" val="525667066"/>
       </p:ext>
     </p:extLst>
   </p:cSld>

--- a/Documentation/Images.pptx
+++ b/Documentation/Images.pptx
@@ -7,6 +7,7 @@
   <p:sldIdLst>
     <p:sldId id="256" r:id="rId2"/>
     <p:sldId id="257" r:id="rId3"/>
+    <p:sldId id="258" r:id="rId4"/>
   </p:sldIdLst>
   <p:sldSz cx="12192000" cy="6858000"/>
   <p:notesSz cx="6858000" cy="9144000"/>
@@ -262,7 +263,7 @@
           <a:p>
             <a:fld id="{4CD335FC-37DA-43A5-81A1-10C1231BE7FA}" type="datetimeFigureOut">
               <a:rPr lang="en-IN" smtClean="0"/>
-              <a:t>08-06-2024</a:t>
+              <a:t>09-06-2024</a:t>
             </a:fld>
             <a:endParaRPr lang="en-IN"/>
           </a:p>
@@ -462,7 +463,7 @@
           <a:p>
             <a:fld id="{4CD335FC-37DA-43A5-81A1-10C1231BE7FA}" type="datetimeFigureOut">
               <a:rPr lang="en-IN" smtClean="0"/>
-              <a:t>08-06-2024</a:t>
+              <a:t>09-06-2024</a:t>
             </a:fld>
             <a:endParaRPr lang="en-IN"/>
           </a:p>
@@ -672,7 +673,7 @@
           <a:p>
             <a:fld id="{4CD335FC-37DA-43A5-81A1-10C1231BE7FA}" type="datetimeFigureOut">
               <a:rPr lang="en-IN" smtClean="0"/>
-              <a:t>08-06-2024</a:t>
+              <a:t>09-06-2024</a:t>
             </a:fld>
             <a:endParaRPr lang="en-IN"/>
           </a:p>
@@ -872,7 +873,7 @@
           <a:p>
             <a:fld id="{4CD335FC-37DA-43A5-81A1-10C1231BE7FA}" type="datetimeFigureOut">
               <a:rPr lang="en-IN" smtClean="0"/>
-              <a:t>08-06-2024</a:t>
+              <a:t>09-06-2024</a:t>
             </a:fld>
             <a:endParaRPr lang="en-IN"/>
           </a:p>
@@ -1148,7 +1149,7 @@
           <a:p>
             <a:fld id="{4CD335FC-37DA-43A5-81A1-10C1231BE7FA}" type="datetimeFigureOut">
               <a:rPr lang="en-IN" smtClean="0"/>
-              <a:t>08-06-2024</a:t>
+              <a:t>09-06-2024</a:t>
             </a:fld>
             <a:endParaRPr lang="en-IN"/>
           </a:p>
@@ -1416,7 +1417,7 @@
           <a:p>
             <a:fld id="{4CD335FC-37DA-43A5-81A1-10C1231BE7FA}" type="datetimeFigureOut">
               <a:rPr lang="en-IN" smtClean="0"/>
-              <a:t>08-06-2024</a:t>
+              <a:t>09-06-2024</a:t>
             </a:fld>
             <a:endParaRPr lang="en-IN"/>
           </a:p>
@@ -1831,7 +1832,7 @@
           <a:p>
             <a:fld id="{4CD335FC-37DA-43A5-81A1-10C1231BE7FA}" type="datetimeFigureOut">
               <a:rPr lang="en-IN" smtClean="0"/>
-              <a:t>08-06-2024</a:t>
+              <a:t>09-06-2024</a:t>
             </a:fld>
             <a:endParaRPr lang="en-IN"/>
           </a:p>
@@ -1973,7 +1974,7 @@
           <a:p>
             <a:fld id="{4CD335FC-37DA-43A5-81A1-10C1231BE7FA}" type="datetimeFigureOut">
               <a:rPr lang="en-IN" smtClean="0"/>
-              <a:t>08-06-2024</a:t>
+              <a:t>09-06-2024</a:t>
             </a:fld>
             <a:endParaRPr lang="en-IN"/>
           </a:p>
@@ -2086,7 +2087,7 @@
           <a:p>
             <a:fld id="{4CD335FC-37DA-43A5-81A1-10C1231BE7FA}" type="datetimeFigureOut">
               <a:rPr lang="en-IN" smtClean="0"/>
-              <a:t>08-06-2024</a:t>
+              <a:t>09-06-2024</a:t>
             </a:fld>
             <a:endParaRPr lang="en-IN"/>
           </a:p>
@@ -2399,7 +2400,7 @@
           <a:p>
             <a:fld id="{4CD335FC-37DA-43A5-81A1-10C1231BE7FA}" type="datetimeFigureOut">
               <a:rPr lang="en-IN" smtClean="0"/>
-              <a:t>08-06-2024</a:t>
+              <a:t>09-06-2024</a:t>
             </a:fld>
             <a:endParaRPr lang="en-IN"/>
           </a:p>
@@ -2688,7 +2689,7 @@
           <a:p>
             <a:fld id="{4CD335FC-37DA-43A5-81A1-10C1231BE7FA}" type="datetimeFigureOut">
               <a:rPr lang="en-IN" smtClean="0"/>
-              <a:t>08-06-2024</a:t>
+              <a:t>09-06-2024</a:t>
             </a:fld>
             <a:endParaRPr lang="en-IN"/>
           </a:p>
@@ -2931,7 +2932,7 @@
           <a:p>
             <a:fld id="{4CD335FC-37DA-43A5-81A1-10C1231BE7FA}" type="datetimeFigureOut">
               <a:rPr lang="en-IN" smtClean="0"/>
-              <a:t>08-06-2024</a:t>
+              <a:t>09-06-2024</a:t>
             </a:fld>
             <a:endParaRPr lang="en-IN"/>
           </a:p>
@@ -3368,9 +3369,26 @@
           <a:prstGeom prst="rect">
             <a:avLst/>
           </a:prstGeom>
-          <a:solidFill>
-            <a:srgbClr val="E0EDF8"/>
-          </a:solidFill>
+          <a:gradFill flip="none" rotWithShape="1">
+            <a:gsLst>
+              <a:gs pos="0">
+                <a:schemeClr val="accent3">
+                  <a:lumMod val="60000"/>
+                  <a:lumOff val="40000"/>
+                </a:schemeClr>
+              </a:gs>
+              <a:gs pos="100000">
+                <a:schemeClr val="tx2">
+                  <a:lumMod val="50000"/>
+                  <a:lumOff val="50000"/>
+                </a:schemeClr>
+              </a:gs>
+            </a:gsLst>
+            <a:path path="circle">
+              <a:fillToRect r="100000" b="100000"/>
+            </a:path>
+            <a:tileRect l="-100000" t="-100000"/>
+          </a:gradFill>
           <a:ln>
             <a:noFill/>
           </a:ln>
@@ -3685,6 +3703,214 @@
             <a:solidFill>
               <a:schemeClr val="bg1"/>
             </a:solidFill>
+          </a:ln>
+        </p:spPr>
+        <p:style>
+          <a:lnRef idx="2">
+            <a:schemeClr val="accent1">
+              <a:shade val="15000"/>
+            </a:schemeClr>
+          </a:lnRef>
+          <a:fillRef idx="1">
+            <a:schemeClr val="accent1"/>
+          </a:fillRef>
+          <a:effectRef idx="0">
+            <a:schemeClr val="accent1"/>
+          </a:effectRef>
+          <a:fontRef idx="minor">
+            <a:schemeClr val="lt1"/>
+          </a:fontRef>
+        </p:style>
+        <p:txBody>
+          <a:bodyPr rtlCol="0" anchor="ctr"/>
+          <a:lstStyle/>
+          <a:p>
+            <a:pPr algn="ctr"/>
+            <a:endParaRPr lang="en-IN"/>
+          </a:p>
+        </p:txBody>
+      </p:sp>
+      <p:sp>
+        <p:nvSpPr>
+          <p:cNvPr id="9" name="Oval 8">
+            <a:extLst>
+              <a:ext uri="{FF2B5EF4-FFF2-40B4-BE49-F238E27FC236}">
+                <a16:creationId xmlns:a16="http://schemas.microsoft.com/office/drawing/2014/main" id="{C066BD8A-75EF-732C-5FB3-EC7DD9F8C1D7}"/>
+              </a:ext>
+            </a:extLst>
+          </p:cNvPr>
+          <p:cNvSpPr/>
+          <p:nvPr/>
+        </p:nvSpPr>
+        <p:spPr>
+          <a:xfrm>
+            <a:off x="9204037" y="2644195"/>
+            <a:ext cx="969185" cy="961313"/>
+          </a:xfrm>
+          <a:prstGeom prst="ellipse">
+            <a:avLst/>
+          </a:prstGeom>
+          <a:noFill/>
+          <a:ln w="76200">
+            <a:solidFill>
+              <a:schemeClr val="bg1"/>
+            </a:solidFill>
+          </a:ln>
+        </p:spPr>
+        <p:style>
+          <a:lnRef idx="2">
+            <a:schemeClr val="accent1">
+              <a:shade val="15000"/>
+            </a:schemeClr>
+          </a:lnRef>
+          <a:fillRef idx="1">
+            <a:schemeClr val="accent1"/>
+          </a:fillRef>
+          <a:effectRef idx="0">
+            <a:schemeClr val="accent1"/>
+          </a:effectRef>
+          <a:fontRef idx="minor">
+            <a:schemeClr val="lt1"/>
+          </a:fontRef>
+        </p:style>
+        <p:txBody>
+          <a:bodyPr rtlCol="0" anchor="ctr"/>
+          <a:lstStyle/>
+          <a:p>
+            <a:pPr algn="ctr"/>
+            <a:endParaRPr lang="en-IN"/>
+          </a:p>
+        </p:txBody>
+      </p:sp>
+      <p:sp>
+        <p:nvSpPr>
+          <p:cNvPr id="10" name="Oval 9">
+            <a:extLst>
+              <a:ext uri="{FF2B5EF4-FFF2-40B4-BE49-F238E27FC236}">
+                <a16:creationId xmlns:a16="http://schemas.microsoft.com/office/drawing/2014/main" id="{C9D53319-6404-7489-B744-B3C408A5A1ED}"/>
+              </a:ext>
+            </a:extLst>
+          </p:cNvPr>
+          <p:cNvSpPr/>
+          <p:nvPr/>
+        </p:nvSpPr>
+        <p:spPr>
+          <a:xfrm>
+            <a:off x="10379478" y="4792028"/>
+            <a:ext cx="738177" cy="730472"/>
+          </a:xfrm>
+          <a:prstGeom prst="ellipse">
+            <a:avLst/>
+          </a:prstGeom>
+          <a:noFill/>
+          <a:ln w="76200">
+            <a:solidFill>
+              <a:schemeClr val="bg1"/>
+            </a:solidFill>
+          </a:ln>
+        </p:spPr>
+        <p:style>
+          <a:lnRef idx="2">
+            <a:schemeClr val="accent1">
+              <a:shade val="15000"/>
+            </a:schemeClr>
+          </a:lnRef>
+          <a:fillRef idx="1">
+            <a:schemeClr val="accent1"/>
+          </a:fillRef>
+          <a:effectRef idx="0">
+            <a:schemeClr val="accent1"/>
+          </a:effectRef>
+          <a:fontRef idx="minor">
+            <a:schemeClr val="lt1"/>
+          </a:fontRef>
+        </p:style>
+        <p:txBody>
+          <a:bodyPr rtlCol="0" anchor="ctr"/>
+          <a:lstStyle/>
+          <a:p>
+            <a:pPr algn="ctr"/>
+            <a:endParaRPr lang="en-IN"/>
+          </a:p>
+        </p:txBody>
+      </p:sp>
+      <p:sp>
+        <p:nvSpPr>
+          <p:cNvPr id="11" name="Oval 10">
+            <a:extLst>
+              <a:ext uri="{FF2B5EF4-FFF2-40B4-BE49-F238E27FC236}">
+                <a16:creationId xmlns:a16="http://schemas.microsoft.com/office/drawing/2014/main" id="{87263636-B128-4DC9-F6A6-7D969BA98B6F}"/>
+              </a:ext>
+            </a:extLst>
+          </p:cNvPr>
+          <p:cNvSpPr/>
+          <p:nvPr/>
+        </p:nvSpPr>
+        <p:spPr>
+          <a:xfrm>
+            <a:off x="9493746" y="917999"/>
+            <a:ext cx="814817" cy="808198"/>
+          </a:xfrm>
+          <a:prstGeom prst="ellipse">
+            <a:avLst/>
+          </a:prstGeom>
+          <a:solidFill>
+            <a:schemeClr val="bg1"/>
+          </a:solidFill>
+          <a:ln>
+            <a:noFill/>
+          </a:ln>
+        </p:spPr>
+        <p:style>
+          <a:lnRef idx="2">
+            <a:schemeClr val="accent1">
+              <a:shade val="15000"/>
+            </a:schemeClr>
+          </a:lnRef>
+          <a:fillRef idx="1">
+            <a:schemeClr val="accent1"/>
+          </a:fillRef>
+          <a:effectRef idx="0">
+            <a:schemeClr val="accent1"/>
+          </a:effectRef>
+          <a:fontRef idx="minor">
+            <a:schemeClr val="lt1"/>
+          </a:fontRef>
+        </p:style>
+        <p:txBody>
+          <a:bodyPr rtlCol="0" anchor="ctr"/>
+          <a:lstStyle/>
+          <a:p>
+            <a:pPr algn="ctr"/>
+            <a:endParaRPr lang="en-IN"/>
+          </a:p>
+        </p:txBody>
+      </p:sp>
+      <p:sp>
+        <p:nvSpPr>
+          <p:cNvPr id="12" name="Oval 11">
+            <a:extLst>
+              <a:ext uri="{FF2B5EF4-FFF2-40B4-BE49-F238E27FC236}">
+                <a16:creationId xmlns:a16="http://schemas.microsoft.com/office/drawing/2014/main" id="{3D2B8816-EA81-0705-B773-69B8D45AFE27}"/>
+              </a:ext>
+            </a:extLst>
+          </p:cNvPr>
+          <p:cNvSpPr/>
+          <p:nvPr/>
+        </p:nvSpPr>
+        <p:spPr>
+          <a:xfrm>
+            <a:off x="9191651" y="4120626"/>
+            <a:ext cx="1346584" cy="1335646"/>
+          </a:xfrm>
+          <a:prstGeom prst="ellipse">
+            <a:avLst/>
+          </a:prstGeom>
+          <a:solidFill>
+            <a:schemeClr val="bg1"/>
+          </a:solidFill>
+          <a:ln>
+            <a:noFill/>
           </a:ln>
         </p:spPr>
         <p:style>
@@ -3989,6 +4215,306 @@
     <p:extLst>
       <p:ext uri="{BB962C8B-B14F-4D97-AF65-F5344CB8AC3E}">
         <p14:creationId xmlns:p14="http://schemas.microsoft.com/office/powerpoint/2010/main" val="525667066"/>
+      </p:ext>
+    </p:extLst>
+  </p:cSld>
+  <p:clrMapOvr>
+    <a:masterClrMapping/>
+  </p:clrMapOvr>
+</p:sld>
+</file>
+
+<file path=ppt/slides/slide3.xml><?xml version="1.0" encoding="utf-8"?>
+<p:sld xmlns:a="http://schemas.openxmlformats.org/drawingml/2006/main" xmlns:r="http://schemas.openxmlformats.org/officeDocument/2006/relationships" xmlns:p="http://schemas.openxmlformats.org/presentationml/2006/main">
+  <p:cSld>
+    <p:spTree>
+      <p:nvGrpSpPr>
+        <p:cNvPr id="1" name=""/>
+        <p:cNvGrpSpPr/>
+        <p:nvPr/>
+      </p:nvGrpSpPr>
+      <p:grpSpPr>
+        <a:xfrm>
+          <a:off x="0" y="0"/>
+          <a:ext cx="0" cy="0"/>
+          <a:chOff x="0" y="0"/>
+          <a:chExt cx="0" cy="0"/>
+        </a:xfrm>
+      </p:grpSpPr>
+      <p:sp>
+        <p:nvSpPr>
+          <p:cNvPr id="4" name="Rectangle 3">
+            <a:extLst>
+              <a:ext uri="{FF2B5EF4-FFF2-40B4-BE49-F238E27FC236}">
+                <a16:creationId xmlns:a16="http://schemas.microsoft.com/office/drawing/2014/main" id="{45C217E3-29AD-921F-971F-21753CCC87C2}"/>
+              </a:ext>
+            </a:extLst>
+          </p:cNvPr>
+          <p:cNvSpPr/>
+          <p:nvPr/>
+        </p:nvSpPr>
+        <p:spPr>
+          <a:xfrm>
+            <a:off x="0" y="0"/>
+            <a:ext cx="12192000" cy="6858001"/>
+          </a:xfrm>
+          <a:prstGeom prst="rect">
+            <a:avLst/>
+          </a:prstGeom>
+          <a:solidFill>
+            <a:srgbClr val="5DF428"/>
+          </a:solidFill>
+          <a:ln>
+            <a:noFill/>
+          </a:ln>
+        </p:spPr>
+        <p:style>
+          <a:lnRef idx="2">
+            <a:schemeClr val="accent1">
+              <a:shade val="15000"/>
+            </a:schemeClr>
+          </a:lnRef>
+          <a:fillRef idx="1">
+            <a:schemeClr val="accent1"/>
+          </a:fillRef>
+          <a:effectRef idx="0">
+            <a:schemeClr val="accent1"/>
+          </a:effectRef>
+          <a:fontRef idx="minor">
+            <a:schemeClr val="lt1"/>
+          </a:fontRef>
+        </p:style>
+        <p:txBody>
+          <a:bodyPr rtlCol="0" anchor="ctr"/>
+          <a:lstStyle/>
+          <a:p>
+            <a:pPr algn="ctr"/>
+            <a:endParaRPr lang="en-IN"/>
+          </a:p>
+        </p:txBody>
+      </p:sp>
+      <p:sp>
+        <p:nvSpPr>
+          <p:cNvPr id="5" name="Oval 4">
+            <a:extLst>
+              <a:ext uri="{FF2B5EF4-FFF2-40B4-BE49-F238E27FC236}">
+                <a16:creationId xmlns:a16="http://schemas.microsoft.com/office/drawing/2014/main" id="{B310E252-E902-B78E-1F9F-3DF2C0812912}"/>
+              </a:ext>
+            </a:extLst>
+          </p:cNvPr>
+          <p:cNvSpPr/>
+          <p:nvPr/>
+        </p:nvSpPr>
+        <p:spPr>
+          <a:xfrm>
+            <a:off x="1570181" y="638925"/>
+            <a:ext cx="6223449" cy="6172895"/>
+          </a:xfrm>
+          <a:prstGeom prst="ellipse">
+            <a:avLst/>
+          </a:prstGeom>
+          <a:solidFill>
+            <a:schemeClr val="bg1"/>
+          </a:solidFill>
+          <a:ln>
+            <a:noFill/>
+          </a:ln>
+        </p:spPr>
+        <p:style>
+          <a:lnRef idx="2">
+            <a:schemeClr val="accent1">
+              <a:shade val="15000"/>
+            </a:schemeClr>
+          </a:lnRef>
+          <a:fillRef idx="1">
+            <a:schemeClr val="accent1"/>
+          </a:fillRef>
+          <a:effectRef idx="0">
+            <a:schemeClr val="accent1"/>
+          </a:effectRef>
+          <a:fontRef idx="minor">
+            <a:schemeClr val="lt1"/>
+          </a:fontRef>
+        </p:style>
+        <p:txBody>
+          <a:bodyPr rtlCol="0" anchor="ctr"/>
+          <a:lstStyle/>
+          <a:p>
+            <a:pPr algn="ctr"/>
+            <a:endParaRPr lang="en-IN"/>
+          </a:p>
+        </p:txBody>
+      </p:sp>
+      <p:sp>
+        <p:nvSpPr>
+          <p:cNvPr id="6" name="Oval 5">
+            <a:extLst>
+              <a:ext uri="{FF2B5EF4-FFF2-40B4-BE49-F238E27FC236}">
+                <a16:creationId xmlns:a16="http://schemas.microsoft.com/office/drawing/2014/main" id="{F393AFF9-26E9-CD48-36CE-B5FDB9CFE7BB}"/>
+              </a:ext>
+            </a:extLst>
+          </p:cNvPr>
+          <p:cNvSpPr/>
+          <p:nvPr/>
+        </p:nvSpPr>
+        <p:spPr>
+          <a:xfrm>
+            <a:off x="6418046" y="243375"/>
+            <a:ext cx="1709954" cy="1696065"/>
+          </a:xfrm>
+          <a:prstGeom prst="ellipse">
+            <a:avLst/>
+          </a:prstGeom>
+          <a:noFill/>
+          <a:ln w="76200">
+            <a:solidFill>
+              <a:schemeClr val="bg1"/>
+            </a:solidFill>
+          </a:ln>
+        </p:spPr>
+        <p:style>
+          <a:lnRef idx="2">
+            <a:schemeClr val="accent1">
+              <a:shade val="15000"/>
+            </a:schemeClr>
+          </a:lnRef>
+          <a:fillRef idx="1">
+            <a:schemeClr val="accent1"/>
+          </a:fillRef>
+          <a:effectRef idx="0">
+            <a:schemeClr val="accent1"/>
+          </a:effectRef>
+          <a:fontRef idx="minor">
+            <a:schemeClr val="lt1"/>
+          </a:fontRef>
+        </p:style>
+        <p:txBody>
+          <a:bodyPr rtlCol="0" anchor="ctr"/>
+          <a:lstStyle/>
+          <a:p>
+            <a:pPr algn="ctr"/>
+            <a:endParaRPr lang="en-IN"/>
+          </a:p>
+        </p:txBody>
+      </p:sp>
+      <p:sp>
+        <p:nvSpPr>
+          <p:cNvPr id="7" name="Oval 6">
+            <a:extLst>
+              <a:ext uri="{FF2B5EF4-FFF2-40B4-BE49-F238E27FC236}">
+                <a16:creationId xmlns:a16="http://schemas.microsoft.com/office/drawing/2014/main" id="{FAAB59B8-B47D-7382-C28F-46A1FC383B11}"/>
+              </a:ext>
+            </a:extLst>
+          </p:cNvPr>
+          <p:cNvSpPr/>
+          <p:nvPr/>
+        </p:nvSpPr>
+        <p:spPr>
+          <a:xfrm>
+            <a:off x="8128000" y="1526893"/>
+            <a:ext cx="831850" cy="825093"/>
+          </a:xfrm>
+          <a:prstGeom prst="ellipse">
+            <a:avLst/>
+          </a:prstGeom>
+          <a:noFill/>
+          <a:ln w="76200">
+            <a:solidFill>
+              <a:schemeClr val="bg1"/>
+            </a:solidFill>
+          </a:ln>
+        </p:spPr>
+        <p:style>
+          <a:lnRef idx="2">
+            <a:schemeClr val="accent1">
+              <a:shade val="15000"/>
+            </a:schemeClr>
+          </a:lnRef>
+          <a:fillRef idx="1">
+            <a:schemeClr val="accent1"/>
+          </a:fillRef>
+          <a:effectRef idx="0">
+            <a:schemeClr val="accent1"/>
+          </a:effectRef>
+          <a:fontRef idx="minor">
+            <a:schemeClr val="lt1"/>
+          </a:fontRef>
+        </p:style>
+        <p:txBody>
+          <a:bodyPr rtlCol="0" anchor="ctr"/>
+          <a:lstStyle/>
+          <a:p>
+            <a:pPr algn="ctr"/>
+            <a:endParaRPr lang="en-IN"/>
+          </a:p>
+        </p:txBody>
+      </p:sp>
+      <p:sp>
+        <p:nvSpPr>
+          <p:cNvPr id="10" name="Oval 9">
+            <a:extLst>
+              <a:ext uri="{FF2B5EF4-FFF2-40B4-BE49-F238E27FC236}">
+                <a16:creationId xmlns:a16="http://schemas.microsoft.com/office/drawing/2014/main" id="{B637E5CD-4041-384D-BC1B-36B5E278C607}"/>
+              </a:ext>
+            </a:extLst>
+          </p:cNvPr>
+          <p:cNvSpPr/>
+          <p:nvPr/>
+        </p:nvSpPr>
+        <p:spPr>
+          <a:xfrm>
+            <a:off x="1579417" y="638924"/>
+            <a:ext cx="6223449" cy="6172895"/>
+          </a:xfrm>
+          <a:prstGeom prst="ellipse">
+            <a:avLst/>
+          </a:prstGeom>
+          <a:blipFill dpi="0" rotWithShape="1">
+            <a:blip r:embed="rId2">
+              <a:extLst>
+                <a:ext uri="{28A0092B-C50C-407E-A947-70E740481C1C}">
+                  <a14:useLocalDpi xmlns:a14="http://schemas.microsoft.com/office/drawing/2010/main" val="0"/>
+                </a:ext>
+              </a:extLst>
+            </a:blip>
+            <a:srcRect/>
+            <a:stretch>
+              <a:fillRect/>
+            </a:stretch>
+          </a:blipFill>
+          <a:ln>
+            <a:noFill/>
+          </a:ln>
+        </p:spPr>
+        <p:style>
+          <a:lnRef idx="2">
+            <a:schemeClr val="accent1">
+              <a:shade val="15000"/>
+            </a:schemeClr>
+          </a:lnRef>
+          <a:fillRef idx="1">
+            <a:schemeClr val="accent1"/>
+          </a:fillRef>
+          <a:effectRef idx="0">
+            <a:schemeClr val="accent1"/>
+          </a:effectRef>
+          <a:fontRef idx="minor">
+            <a:schemeClr val="lt1"/>
+          </a:fontRef>
+        </p:style>
+        <p:txBody>
+          <a:bodyPr rtlCol="0" anchor="ctr"/>
+          <a:lstStyle/>
+          <a:p>
+            <a:pPr algn="ctr"/>
+            <a:endParaRPr lang="en-IN"/>
+          </a:p>
+        </p:txBody>
+      </p:sp>
+    </p:spTree>
+    <p:extLst>
+      <p:ext uri="{BB962C8B-B14F-4D97-AF65-F5344CB8AC3E}">
+        <p14:creationId xmlns:p14="http://schemas.microsoft.com/office/powerpoint/2010/main" val="575942855"/>
       </p:ext>
     </p:extLst>
   </p:cSld>
